--- a/presentation/vplan-presentation.pptx
+++ b/presentation/vplan-presentation.pptx
@@ -34,7 +34,7 @@
     <p:sldId id="291" r:id="rId22"/>
     <p:sldId id="297" r:id="rId23"/>
     <p:sldId id="272" r:id="rId24"/>
-    <p:sldId id="273" r:id="rId25"/>
+    <p:sldId id="308" r:id="rId25"/>
     <p:sldId id="298" r:id="rId26"/>
     <p:sldId id="274" r:id="rId27"/>
     <p:sldId id="292" r:id="rId28"/>
@@ -328,7 +328,7 @@
               <a:pPr>
                 <a:defRPr/>
               </a:pPr>
-              <a:t>28/01/2025</a:t>
+              <a:t>29/01/2025</a:t>
             </a:fld>
             <a:endParaRPr lang="en-GB" dirty="0"/>
           </a:p>
@@ -547,7 +547,7 @@
               <a:pPr>
                 <a:defRPr/>
               </a:pPr>
-              <a:t>28/01/2025</a:t>
+              <a:t>29/01/2025</a:t>
             </a:fld>
             <a:endParaRPr lang="en-GB"/>
           </a:p>
@@ -17618,6 +17618,112 @@
   <p:clrMapOvr>
     <a:masterClrMapping/>
   </p:clrMapOvr>
+  <p:timing>
+    <p:tnLst>
+      <p:par>
+        <p:cTn id="1" dur="indefinite" restart="never" nodeType="tmRoot">
+          <p:childTnLst>
+            <p:seq concurrent="1" nextAc="seek">
+              <p:cTn id="2" dur="indefinite" nodeType="mainSeq">
+                <p:childTnLst>
+                  <p:par>
+                    <p:cTn id="3" fill="hold">
+                      <p:stCondLst>
+                        <p:cond delay="indefinite"/>
+                      </p:stCondLst>
+                      <p:childTnLst>
+                        <p:par>
+                          <p:cTn id="4" fill="hold">
+                            <p:stCondLst>
+                              <p:cond delay="0"/>
+                            </p:stCondLst>
+                            <p:childTnLst>
+                              <p:par>
+                                <p:cTn id="5" presetID="1" presetClass="entr" presetSubtype="0" fill="hold" grpId="0" nodeType="clickEffect">
+                                  <p:stCondLst>
+                                    <p:cond delay="0"/>
+                                  </p:stCondLst>
+                                  <p:childTnLst>
+                                    <p:set>
+                                      <p:cBhvr>
+                                        <p:cTn id="6" dur="1" fill="hold">
+                                          <p:stCondLst>
+                                            <p:cond delay="0"/>
+                                          </p:stCondLst>
+                                        </p:cTn>
+                                        <p:tgtEl>
+                                          <p:spTgt spid="2"/>
+                                        </p:tgtEl>
+                                        <p:attrNameLst>
+                                          <p:attrName>style.visibility</p:attrName>
+                                        </p:attrNameLst>
+                                      </p:cBhvr>
+                                      <p:to>
+                                        <p:strVal val="visible"/>
+                                      </p:to>
+                                    </p:set>
+                                  </p:childTnLst>
+                                </p:cTn>
+                              </p:par>
+                              <p:par>
+                                <p:cTn id="7" presetID="1" presetClass="entr" presetSubtype="0" fill="hold" grpId="0" nodeType="withEffect">
+                                  <p:stCondLst>
+                                    <p:cond delay="0"/>
+                                  </p:stCondLst>
+                                  <p:childTnLst>
+                                    <p:set>
+                                      <p:cBhvr>
+                                        <p:cTn id="8" dur="1" fill="hold">
+                                          <p:stCondLst>
+                                            <p:cond delay="0"/>
+                                          </p:stCondLst>
+                                        </p:cTn>
+                                        <p:tgtEl>
+                                          <p:spTgt spid="3"/>
+                                        </p:tgtEl>
+                                        <p:attrNameLst>
+                                          <p:attrName>style.visibility</p:attrName>
+                                        </p:attrNameLst>
+                                      </p:cBhvr>
+                                      <p:to>
+                                        <p:strVal val="visible"/>
+                                      </p:to>
+                                    </p:set>
+                                  </p:childTnLst>
+                                </p:cTn>
+                              </p:par>
+                            </p:childTnLst>
+                          </p:cTn>
+                        </p:par>
+                      </p:childTnLst>
+                    </p:cTn>
+                  </p:par>
+                </p:childTnLst>
+              </p:cTn>
+              <p:prevCondLst>
+                <p:cond evt="onPrev" delay="0">
+                  <p:tgtEl>
+                    <p:sldTgt/>
+                  </p:tgtEl>
+                </p:cond>
+              </p:prevCondLst>
+              <p:nextCondLst>
+                <p:cond evt="onNext" delay="0">
+                  <p:tgtEl>
+                    <p:sldTgt/>
+                  </p:tgtEl>
+                </p:cond>
+              </p:nextCondLst>
+            </p:seq>
+          </p:childTnLst>
+        </p:cTn>
+      </p:par>
+    </p:tnLst>
+    <p:bldLst>
+      <p:bldP spid="2" grpId="0" animBg="1"/>
+      <p:bldP spid="3" grpId="0"/>
+    </p:bldLst>
+  </p:timing>
 </p:sld>
 </file>
 
@@ -17626,7 +17732,13 @@
   <p:cSld>
     <p:spTree>
       <p:nvGrpSpPr>
-        <p:cNvPr id="1" name=""/>
+        <p:cNvPr id="1" name="">
+          <a:extLst>
+            <a:ext uri="{FF2B5EF4-FFF2-40B4-BE49-F238E27FC236}">
+              <a16:creationId xmlns:a16="http://schemas.microsoft.com/office/drawing/2014/main" id="{49426D5C-24C0-A8B9-8046-2F29715B351F}"/>
+            </a:ext>
+          </a:extLst>
+        </p:cNvPr>
         <p:cNvGrpSpPr/>
         <p:nvPr/>
       </p:nvGrpSpPr>
@@ -17643,7 +17755,7 @@
           <p:cNvPr id="2" name="Content Placeholder 1">
             <a:extLst>
               <a:ext uri="{FF2B5EF4-FFF2-40B4-BE49-F238E27FC236}">
-                <a16:creationId xmlns:a16="http://schemas.microsoft.com/office/drawing/2014/main" id="{4AB295F2-D315-1CCF-EBA3-E18DA7684E4C}"/>
+                <a16:creationId xmlns:a16="http://schemas.microsoft.com/office/drawing/2014/main" id="{125ECB50-5C7D-6EE3-1218-509FB660ABC1}"/>
               </a:ext>
             </a:extLst>
           </p:cNvPr>
@@ -17656,8 +17768,8 @@
         </p:nvSpPr>
         <p:spPr>
           <a:xfrm>
-            <a:off x="311162" y="1222524"/>
-            <a:ext cx="3917938" cy="3475102"/>
+            <a:off x="550190" y="1222524"/>
+            <a:ext cx="3678910" cy="3475102"/>
           </a:xfrm>
         </p:spPr>
         <p:txBody>
@@ -17707,7 +17819,7 @@
           <p:cNvPr id="10" name="Content Placeholder 9" descr="A diagram of a model&#10;&#10;Description automatically generated">
             <a:extLst>
               <a:ext uri="{FF2B5EF4-FFF2-40B4-BE49-F238E27FC236}">
-                <a16:creationId xmlns:a16="http://schemas.microsoft.com/office/drawing/2014/main" id="{AAF51102-A973-F19F-FE37-A663D8232ADD}"/>
+                <a16:creationId xmlns:a16="http://schemas.microsoft.com/office/drawing/2014/main" id="{E1DED1B8-A7F8-37F3-1232-9080A26B27EA}"/>
               </a:ext>
             </a:extLst>
           </p:cNvPr>
@@ -17726,8 +17838,8 @@
         </p:blipFill>
         <p:spPr>
           <a:xfrm>
-            <a:off x="4336392" y="1543050"/>
-            <a:ext cx="4490616" cy="2676525"/>
+            <a:off x="4473178" y="1566298"/>
+            <a:ext cx="4353830" cy="2594997"/>
           </a:xfrm>
         </p:spPr>
       </p:pic>
@@ -17736,7 +17848,7 @@
           <p:cNvPr id="4" name="Slide Number Placeholder 3">
             <a:extLst>
               <a:ext uri="{FF2B5EF4-FFF2-40B4-BE49-F238E27FC236}">
-                <a16:creationId xmlns:a16="http://schemas.microsoft.com/office/drawing/2014/main" id="{18121497-5B02-D801-3B8C-DD039C2695C1}"/>
+                <a16:creationId xmlns:a16="http://schemas.microsoft.com/office/drawing/2014/main" id="{FCE92107-B39E-90D9-A96C-F16AACF32C0A}"/>
               </a:ext>
             </a:extLst>
           </p:cNvPr>
@@ -17766,7 +17878,7 @@
           <p:cNvPr id="6" name="Title 5">
             <a:extLst>
               <a:ext uri="{FF2B5EF4-FFF2-40B4-BE49-F238E27FC236}">
-                <a16:creationId xmlns:a16="http://schemas.microsoft.com/office/drawing/2014/main" id="{E1F1D507-04A5-3F22-D067-885FD001108E}"/>
+                <a16:creationId xmlns:a16="http://schemas.microsoft.com/office/drawing/2014/main" id="{579CCC88-1148-A023-C50D-140D75263D0B}"/>
               </a:ext>
             </a:extLst>
           </p:cNvPr>
@@ -17796,7 +17908,7 @@
     </p:spTree>
     <p:extLst>
       <p:ext uri="{BB962C8B-B14F-4D97-AF65-F5344CB8AC3E}">
-        <p14:creationId xmlns:p14="http://schemas.microsoft.com/office/powerpoint/2010/main" val="1406845992"/>
+        <p14:creationId xmlns:p14="http://schemas.microsoft.com/office/powerpoint/2010/main" val="2188359491"/>
       </p:ext>
     </p:extLst>
   </p:cSld>
@@ -17847,8 +17959,8 @@
         </p:nvSpPr>
         <p:spPr>
           <a:xfrm>
-            <a:off x="311162" y="1222524"/>
-            <a:ext cx="3917938" cy="3475102"/>
+            <a:off x="550190" y="1222524"/>
+            <a:ext cx="3678910" cy="3475102"/>
           </a:xfrm>
         </p:spPr>
         <p:txBody>
@@ -17965,8 +18077,8 @@
         </p:blipFill>
         <p:spPr>
           <a:xfrm>
-            <a:off x="4336392" y="1543050"/>
-            <a:ext cx="4490616" cy="2676525"/>
+            <a:off x="4473178" y="1566298"/>
+            <a:ext cx="4353830" cy="2594997"/>
           </a:xfrm>
         </p:spPr>
       </p:pic>
@@ -18078,7 +18190,12 @@
             <p:ph idx="1"/>
           </p:nvPr>
         </p:nvSpPr>
-        <p:spPr/>
+        <p:spPr>
+          <a:xfrm>
+            <a:off x="534692" y="1222525"/>
+            <a:ext cx="8293397" cy="3463775"/>
+          </a:xfrm>
+        </p:spPr>
         <p:txBody>
           <a:bodyPr/>
           <a:lstStyle/>
@@ -18284,14 +18401,19 @@
         </p:nvSpPr>
         <p:spPr>
           <a:xfrm>
-            <a:off x="311162" y="1222524"/>
-            <a:ext cx="3775063" cy="3475102"/>
+            <a:off x="559133" y="1115878"/>
+            <a:ext cx="3925482" cy="3581748"/>
           </a:xfrm>
         </p:spPr>
         <p:txBody>
           <a:bodyPr/>
           <a:lstStyle/>
           <a:p>
+            <a:pPr>
+              <a:lnSpc>
+                <a:spcPct val="130000"/>
+              </a:lnSpc>
+            </a:pPr>
             <a:r>
               <a:rPr lang="en-DE" sz="1600" dirty="0"/>
               <a:t>New system prop</a:t>
@@ -18307,6 +18429,9 @@
           </a:p>
           <a:p>
             <a:pPr marL="461963" lvl="1" indent="-285750">
+              <a:lnSpc>
+                <a:spcPct val="130000"/>
+              </a:lnSpc>
               <a:buFontTx/>
               <a:buChar char="-"/>
             </a:pPr>
@@ -18317,6 +18442,9 @@
           </a:p>
           <a:p>
             <a:pPr marL="461963" lvl="1" indent="-285750">
+              <a:lnSpc>
+                <a:spcPct val="130000"/>
+              </a:lnSpc>
               <a:buFontTx/>
               <a:buChar char="-"/>
             </a:pPr>
@@ -18327,6 +18455,9 @@
           </a:p>
           <a:p>
             <a:pPr marL="461963" lvl="1" indent="-285750">
+              <a:lnSpc>
+                <a:spcPct val="130000"/>
+              </a:lnSpc>
               <a:buFontTx/>
               <a:buChar char="-"/>
             </a:pPr>
@@ -18343,6 +18474,9 @@
           </a:p>
           <a:p>
             <a:pPr marL="461963" lvl="1" indent="-285750">
+              <a:lnSpc>
+                <a:spcPct val="130000"/>
+              </a:lnSpc>
               <a:buFontTx/>
               <a:buChar char="-"/>
             </a:pPr>
@@ -18353,6 +18487,9 @@
           </a:p>
           <a:p>
             <a:pPr marL="461963" lvl="1" indent="-285750">
+              <a:lnSpc>
+                <a:spcPct val="130000"/>
+              </a:lnSpc>
               <a:buFontTx/>
               <a:buChar char="-"/>
             </a:pPr>
@@ -18445,8 +18582,8 @@
         </p:blipFill>
         <p:spPr>
           <a:xfrm>
-            <a:off x="4144638" y="1370647"/>
-            <a:ext cx="4682370" cy="3178856"/>
+            <a:off x="4659386" y="1370647"/>
+            <a:ext cx="4167622" cy="2829394"/>
           </a:xfrm>
         </p:spPr>
       </p:pic>
@@ -20899,7 +21036,12 @@
             <p:ph idx="1"/>
           </p:nvPr>
         </p:nvSpPr>
-        <p:spPr/>
+        <p:spPr>
+          <a:xfrm>
+            <a:off x="480447" y="1340603"/>
+            <a:ext cx="8347642" cy="3345697"/>
+          </a:xfrm>
+        </p:spPr>
         <p:txBody>
           <a:bodyPr/>
           <a:lstStyle/>
@@ -21152,8 +21294,8 @@
         </p:nvSpPr>
         <p:spPr>
           <a:xfrm>
-            <a:off x="480060" y="1222525"/>
-            <a:ext cx="8348029" cy="3463775"/>
+            <a:off x="480060" y="1394847"/>
+            <a:ext cx="8348029" cy="3291453"/>
           </a:xfrm>
         </p:spPr>
         <p:txBody>
@@ -25552,7 +25694,12 @@
             <p:ph idx="1"/>
           </p:nvPr>
         </p:nvSpPr>
-        <p:spPr/>
+        <p:spPr>
+          <a:xfrm>
+            <a:off x="557939" y="1222525"/>
+            <a:ext cx="8270150" cy="3463775"/>
+          </a:xfrm>
+        </p:spPr>
         <p:txBody>
           <a:bodyPr/>
           <a:lstStyle/>
@@ -26453,8 +26600,8 @@
         </p:nvSpPr>
         <p:spPr>
           <a:xfrm>
-            <a:off x="319090" y="1222526"/>
-            <a:ext cx="8508999" cy="1053950"/>
+            <a:off x="550189" y="1222526"/>
+            <a:ext cx="8277899" cy="1053950"/>
           </a:xfrm>
         </p:spPr>
         <p:txBody>
@@ -26572,8 +26719,8 @@
         </p:nvSpPr>
         <p:spPr>
           <a:xfrm>
-            <a:off x="319090" y="2705100"/>
-            <a:ext cx="8508999" cy="1638300"/>
+            <a:off x="550189" y="2705100"/>
+            <a:ext cx="8277900" cy="1638300"/>
           </a:xfrm>
           <a:prstGeom prst="rect">
             <a:avLst/>
